--- a/Introdução ao Desenvolvimento Web.pptx
+++ b/Introdução ao Desenvolvimento Web.pptx
@@ -141,6 +141,50 @@
     </p:ext>
   </p:extLst>
 </p:presentation>
+</file>
+
+<file path=ppt/changesInfos/changesInfo1.xml><?xml version="1.0" encoding="utf-8"?>
+<pc:chgInfo xmlns:a="http://schemas.openxmlformats.org/drawingml/2006/main" xmlns:r="http://schemas.openxmlformats.org/officeDocument/2006/relationships" xmlns:ac="http://schemas.microsoft.com/office/drawing/2013/main/command" xmlns:pc="http://schemas.microsoft.com/office/powerpoint/2013/main/command">
+  <pc:docChgLst>
+    <pc:chgData name="George Luís Costa Ribeiro" userId="65d98055-ae44-4795-8a8e-9d00780538cc" providerId="ADAL" clId="{35A6C192-7850-47C6-94D5-DCD4DB6237D1}"/>
+    <pc:docChg chg="modSld">
+      <pc:chgData name="George Luís Costa Ribeiro" userId="65d98055-ae44-4795-8a8e-9d00780538cc" providerId="ADAL" clId="{35A6C192-7850-47C6-94D5-DCD4DB6237D1}" dt="2022-04-20T14:16:02.559" v="17" actId="20577"/>
+      <pc:docMkLst>
+        <pc:docMk/>
+      </pc:docMkLst>
+      <pc:sldChg chg="modSp mod">
+        <pc:chgData name="George Luís Costa Ribeiro" userId="65d98055-ae44-4795-8a8e-9d00780538cc" providerId="ADAL" clId="{35A6C192-7850-47C6-94D5-DCD4DB6237D1}" dt="2022-04-20T14:15:42.475" v="8" actId="20577"/>
+        <pc:sldMkLst>
+          <pc:docMk/>
+          <pc:sldMk cId="3746609878" sldId="277"/>
+        </pc:sldMkLst>
+        <pc:spChg chg="mod">
+          <ac:chgData name="George Luís Costa Ribeiro" userId="65d98055-ae44-4795-8a8e-9d00780538cc" providerId="ADAL" clId="{35A6C192-7850-47C6-94D5-DCD4DB6237D1}" dt="2022-04-20T14:15:42.475" v="8" actId="20577"/>
+          <ac:spMkLst>
+            <pc:docMk/>
+            <pc:sldMk cId="3746609878" sldId="277"/>
+            <ac:spMk id="5" creationId="{4950BC66-CD61-4FFE-AEFD-7B99E48C4E05}"/>
+          </ac:spMkLst>
+        </pc:spChg>
+      </pc:sldChg>
+      <pc:sldChg chg="modSp mod">
+        <pc:chgData name="George Luís Costa Ribeiro" userId="65d98055-ae44-4795-8a8e-9d00780538cc" providerId="ADAL" clId="{35A6C192-7850-47C6-94D5-DCD4DB6237D1}" dt="2022-04-20T14:16:02.559" v="17" actId="20577"/>
+        <pc:sldMkLst>
+          <pc:docMk/>
+          <pc:sldMk cId="0" sldId="282"/>
+        </pc:sldMkLst>
+        <pc:spChg chg="mod">
+          <ac:chgData name="George Luís Costa Ribeiro" userId="65d98055-ae44-4795-8a8e-9d00780538cc" providerId="ADAL" clId="{35A6C192-7850-47C6-94D5-DCD4DB6237D1}" dt="2022-04-20T14:16:02.559" v="17" actId="20577"/>
+          <ac:spMkLst>
+            <pc:docMk/>
+            <pc:sldMk cId="0" sldId="282"/>
+            <ac:spMk id="17" creationId="{00000000-0000-0000-0000-000000000000}"/>
+          </ac:spMkLst>
+        </pc:spChg>
+      </pc:sldChg>
+    </pc:docChg>
+  </pc:docChgLst>
+</pc:chgInfo>
 </file>
 
 <file path=ppt/diagrams/colors1.xml><?xml version="1.0" encoding="utf-8"?>
@@ -2945,7 +2989,7 @@
           <a:p>
             <a:fld id="{A22B3C55-CAA7-479A-99BE-9CA75C8B7041}" type="datetimeFigureOut">
               <a:rPr lang="pt-BR" smtClean="0"/>
-              <a:t>18/04/2022</a:t>
+              <a:t>20/04/2022</a:t>
             </a:fld>
             <a:endParaRPr lang="pt-BR"/>
           </a:p>
@@ -3143,7 +3187,7 @@
           <a:p>
             <a:fld id="{A22B3C55-CAA7-479A-99BE-9CA75C8B7041}" type="datetimeFigureOut">
               <a:rPr lang="pt-BR" smtClean="0"/>
-              <a:t>18/04/2022</a:t>
+              <a:t>20/04/2022</a:t>
             </a:fld>
             <a:endParaRPr lang="pt-BR"/>
           </a:p>
@@ -3351,7 +3395,7 @@
           <a:p>
             <a:fld id="{A22B3C55-CAA7-479A-99BE-9CA75C8B7041}" type="datetimeFigureOut">
               <a:rPr lang="pt-BR" smtClean="0"/>
-              <a:t>18/04/2022</a:t>
+              <a:t>20/04/2022</a:t>
             </a:fld>
             <a:endParaRPr lang="pt-BR"/>
           </a:p>
@@ -3571,7 +3615,7 @@
           <a:p>
             <a:fld id="{02AC24A9-CCB6-4F8D-B8DB-C2F3692CFA5A}" type="datetimeFigureOut">
               <a:rPr lang="en-US" smtClean="0"/>
-              <a:t>4/18/2022</a:t>
+              <a:t>4/20/2022</a:t>
             </a:fld>
             <a:endParaRPr lang="en-US"/>
           </a:p>
@@ -3769,7 +3813,7 @@
           <a:p>
             <a:fld id="{02AC24A9-CCB6-4F8D-B8DB-C2F3692CFA5A}" type="datetimeFigureOut">
               <a:rPr lang="en-US" smtClean="0"/>
-              <a:t>4/18/2022</a:t>
+              <a:t>4/20/2022</a:t>
             </a:fld>
             <a:endParaRPr lang="en-US"/>
           </a:p>
@@ -4044,7 +4088,7 @@
           <a:p>
             <a:fld id="{02AC24A9-CCB6-4F8D-B8DB-C2F3692CFA5A}" type="datetimeFigureOut">
               <a:rPr lang="en-US" smtClean="0"/>
-              <a:t>4/18/2022</a:t>
+              <a:t>4/20/2022</a:t>
             </a:fld>
             <a:endParaRPr lang="en-US"/>
           </a:p>
@@ -4309,7 +4353,7 @@
           <a:p>
             <a:fld id="{02AC24A9-CCB6-4F8D-B8DB-C2F3692CFA5A}" type="datetimeFigureOut">
               <a:rPr lang="en-US" smtClean="0"/>
-              <a:t>4/18/2022</a:t>
+              <a:t>4/20/2022</a:t>
             </a:fld>
             <a:endParaRPr lang="en-US"/>
           </a:p>
@@ -4721,7 +4765,7 @@
           <a:p>
             <a:fld id="{02AC24A9-CCB6-4F8D-B8DB-C2F3692CFA5A}" type="datetimeFigureOut">
               <a:rPr lang="en-US" smtClean="0"/>
-              <a:t>4/18/2022</a:t>
+              <a:t>4/20/2022</a:t>
             </a:fld>
             <a:endParaRPr lang="en-US"/>
           </a:p>
@@ -4862,7 +4906,7 @@
           <a:p>
             <a:fld id="{02AC24A9-CCB6-4F8D-B8DB-C2F3692CFA5A}" type="datetimeFigureOut">
               <a:rPr lang="en-US" smtClean="0"/>
-              <a:t>4/18/2022</a:t>
+              <a:t>4/20/2022</a:t>
             </a:fld>
             <a:endParaRPr lang="en-US"/>
           </a:p>
@@ -4975,7 +5019,7 @@
           <a:p>
             <a:fld id="{02AC24A9-CCB6-4F8D-B8DB-C2F3692CFA5A}" type="datetimeFigureOut">
               <a:rPr lang="en-US" smtClean="0"/>
-              <a:t>4/18/2022</a:t>
+              <a:t>4/20/2022</a:t>
             </a:fld>
             <a:endParaRPr lang="en-US"/>
           </a:p>
@@ -5286,7 +5330,7 @@
           <a:p>
             <a:fld id="{02AC24A9-CCB6-4F8D-B8DB-C2F3692CFA5A}" type="datetimeFigureOut">
               <a:rPr lang="en-US" smtClean="0"/>
-              <a:t>4/18/2022</a:t>
+              <a:t>4/20/2022</a:t>
             </a:fld>
             <a:endParaRPr lang="en-US"/>
           </a:p>
@@ -5484,7 +5528,7 @@
           <a:p>
             <a:fld id="{A22B3C55-CAA7-479A-99BE-9CA75C8B7041}" type="datetimeFigureOut">
               <a:rPr lang="pt-BR" smtClean="0"/>
-              <a:t>18/04/2022</a:t>
+              <a:t>20/04/2022</a:t>
             </a:fld>
             <a:endParaRPr lang="pt-BR"/>
           </a:p>
@@ -5772,7 +5816,7 @@
           <a:p>
             <a:fld id="{02AC24A9-CCB6-4F8D-B8DB-C2F3692CFA5A}" type="datetimeFigureOut">
               <a:rPr lang="en-US" smtClean="0"/>
-              <a:t>4/18/2022</a:t>
+              <a:t>4/20/2022</a:t>
             </a:fld>
             <a:endParaRPr lang="en-US"/>
           </a:p>
@@ -5970,7 +6014,7 @@
           <a:p>
             <a:fld id="{02AC24A9-CCB6-4F8D-B8DB-C2F3692CFA5A}" type="datetimeFigureOut">
               <a:rPr lang="en-US" smtClean="0"/>
-              <a:t>4/18/2022</a:t>
+              <a:t>4/20/2022</a:t>
             </a:fld>
             <a:endParaRPr lang="en-US"/>
           </a:p>
@@ -6178,7 +6222,7 @@
           <a:p>
             <a:fld id="{02AC24A9-CCB6-4F8D-B8DB-C2F3692CFA5A}" type="datetimeFigureOut">
               <a:rPr lang="en-US" smtClean="0"/>
-              <a:t>4/18/2022</a:t>
+              <a:t>4/20/2022</a:t>
             </a:fld>
             <a:endParaRPr lang="en-US"/>
           </a:p>
@@ -6382,7 +6426,7 @@
           <a:p>
             <a:fld id="{1D8BD707-D9CF-40AE-B4C6-C98DA3205C09}" type="datetimeFigureOut">
               <a:rPr lang="en-US"/>
-              <a:t>4/18/2022</a:t>
+              <a:t>4/20/2022</a:t>
             </a:fld>
             <a:endParaRPr lang="en-US"/>
           </a:p>
@@ -6665,7 +6709,7 @@
           <a:p>
             <a:fld id="{1D8BD707-D9CF-40AE-B4C6-C98DA3205C09}" type="datetimeFigureOut">
               <a:rPr lang="en-US"/>
-              <a:t>4/18/2022</a:t>
+              <a:t>4/20/2022</a:t>
             </a:fld>
             <a:endParaRPr lang="en-US"/>
           </a:p>
@@ -6918,7 +6962,7 @@
           <a:p>
             <a:fld id="{A22B3C55-CAA7-479A-99BE-9CA75C8B7041}" type="datetimeFigureOut">
               <a:rPr lang="pt-BR" smtClean="0"/>
-              <a:t>18/04/2022</a:t>
+              <a:t>20/04/2022</a:t>
             </a:fld>
             <a:endParaRPr lang="pt-BR"/>
           </a:p>
@@ -7183,7 +7227,7 @@
           <a:p>
             <a:fld id="{A22B3C55-CAA7-479A-99BE-9CA75C8B7041}" type="datetimeFigureOut">
               <a:rPr lang="pt-BR" smtClean="0"/>
-              <a:t>18/04/2022</a:t>
+              <a:t>20/04/2022</a:t>
             </a:fld>
             <a:endParaRPr lang="pt-BR"/>
           </a:p>
@@ -7595,7 +7639,7 @@
           <a:p>
             <a:fld id="{A22B3C55-CAA7-479A-99BE-9CA75C8B7041}" type="datetimeFigureOut">
               <a:rPr lang="pt-BR" smtClean="0"/>
-              <a:t>18/04/2022</a:t>
+              <a:t>20/04/2022</a:t>
             </a:fld>
             <a:endParaRPr lang="pt-BR"/>
           </a:p>
@@ -7736,7 +7780,7 @@
           <a:p>
             <a:fld id="{A22B3C55-CAA7-479A-99BE-9CA75C8B7041}" type="datetimeFigureOut">
               <a:rPr lang="pt-BR" smtClean="0"/>
-              <a:t>18/04/2022</a:t>
+              <a:t>20/04/2022</a:t>
             </a:fld>
             <a:endParaRPr lang="pt-BR"/>
           </a:p>
@@ -7849,7 +7893,7 @@
           <a:p>
             <a:fld id="{A22B3C55-CAA7-479A-99BE-9CA75C8B7041}" type="datetimeFigureOut">
               <a:rPr lang="pt-BR" smtClean="0"/>
-              <a:t>18/04/2022</a:t>
+              <a:t>20/04/2022</a:t>
             </a:fld>
             <a:endParaRPr lang="pt-BR"/>
           </a:p>
@@ -8160,7 +8204,7 @@
           <a:p>
             <a:fld id="{A22B3C55-CAA7-479A-99BE-9CA75C8B7041}" type="datetimeFigureOut">
               <a:rPr lang="pt-BR" smtClean="0"/>
-              <a:t>18/04/2022</a:t>
+              <a:t>20/04/2022</a:t>
             </a:fld>
             <a:endParaRPr lang="pt-BR"/>
           </a:p>
@@ -8448,7 +8492,7 @@
           <a:p>
             <a:fld id="{A22B3C55-CAA7-479A-99BE-9CA75C8B7041}" type="datetimeFigureOut">
               <a:rPr lang="pt-BR" smtClean="0"/>
-              <a:t>18/04/2022</a:t>
+              <a:t>20/04/2022</a:t>
             </a:fld>
             <a:endParaRPr lang="pt-BR"/>
           </a:p>
@@ -8689,7 +8733,7 @@
           <a:p>
             <a:fld id="{A22B3C55-CAA7-479A-99BE-9CA75C8B7041}" type="datetimeFigureOut">
               <a:rPr lang="pt-BR" smtClean="0"/>
-              <a:t>18/04/2022</a:t>
+              <a:t>20/04/2022</a:t>
             </a:fld>
             <a:endParaRPr lang="pt-BR"/>
           </a:p>
@@ -9257,7 +9301,7 @@
           <a:p>
             <a:fld id="{02AC24A9-CCB6-4F8D-B8DB-C2F3692CFA5A}" type="datetimeFigureOut">
               <a:rPr lang="en-US" smtClean="0"/>
-              <a:t>4/18/2022</a:t>
+              <a:t>4/20/2022</a:t>
             </a:fld>
             <a:endParaRPr lang="en-US"/>
           </a:p>
@@ -10165,7 +10209,7 @@
                 <a:latin typeface="Arial" panose="020B0604020202020204" pitchFamily="34" charset="0"/>
                 <a:cs typeface="Arial" panose="020B0604020202020204" pitchFamily="34" charset="0"/>
               </a:rPr>
-              <a:t>Introdução ao Desenvolvimento Web e Mobile</a:t>
+              <a:t>Introdução ao Desenvolvimento Web</a:t>
             </a:r>
           </a:p>
         </p:txBody>
@@ -10774,6 +10818,9 @@
   <p:clrMapOvr>
     <a:masterClrMapping/>
   </p:clrMapOvr>
+  <p:transition spd="med">
+    <p:pull/>
+  </p:transition>
 </p:sld>
 </file>
 
@@ -11348,6 +11395,9 @@
   <p:clrMapOvr>
     <a:masterClrMapping/>
   </p:clrMapOvr>
+  <p:transition spd="med">
+    <p:pull/>
+  </p:transition>
 </p:sld>
 </file>
 
@@ -14786,7 +14836,20 @@
               <a:defRPr/>
             </a:pPr>
             <a:r>
-              <a:rPr kumimoji="0" sz="2133" b="1" i="0" u="none" strike="noStrike" kern="1200" cap="none" spc="-213" normalizeH="0" baseline="0" noProof="0" dirty="0">
+              <a:rPr lang="pt-BR" sz="2133" b="1" spc="-213" dirty="0">
+                <a:solidFill>
+                  <a:prstClr val="black">
+                    <a:lumMod val="75000"/>
+                    <a:lumOff val="25000"/>
+                  </a:prstClr>
+                </a:solidFill>
+                <a:latin typeface="Arial" panose="020B0604020202020204" pitchFamily="34" charset="0"/>
+                <a:cs typeface="Arial" panose="020B0604020202020204" pitchFamily="34" charset="0"/>
+              </a:rPr>
+              <a:t>Á</a:t>
+            </a:r>
+            <a:r>
+              <a:rPr kumimoji="0" sz="2133" b="1" i="0" u="none" strike="noStrike" kern="1200" cap="none" spc="0" normalizeH="0" baseline="0" noProof="0" dirty="0" err="1">
                 <a:ln>
                   <a:noFill/>
                 </a:ln>
@@ -14803,87 +14866,7 @@
                 <a:ea typeface="+mn-ea"/>
                 <a:cs typeface="Arial" panose="020B0604020202020204" pitchFamily="34" charset="0"/>
               </a:rPr>
-              <a:t>E</a:t>
-            </a:r>
-            <a:r>
-              <a:rPr kumimoji="0" sz="2133" b="1" i="0" u="none" strike="noStrike" kern="1200" cap="none" spc="-67" normalizeH="0" baseline="0" noProof="0" dirty="0">
-                <a:ln>
-                  <a:noFill/>
-                </a:ln>
-                <a:solidFill>
-                  <a:prstClr val="black">
-                    <a:lumMod val="75000"/>
-                    <a:lumOff val="25000"/>
-                  </a:prstClr>
-                </a:solidFill>
-                <a:effectLst/>
-                <a:uLnTx/>
-                <a:uFillTx/>
-                <a:latin typeface="Arial" panose="020B0604020202020204" pitchFamily="34" charset="0"/>
-                <a:ea typeface="+mn-ea"/>
-                <a:cs typeface="Arial" panose="020B0604020202020204" pitchFamily="34" charset="0"/>
-              </a:rPr>
-              <a:t> </a:t>
-            </a:r>
-            <a:r>
-              <a:rPr kumimoji="0" sz="2133" b="1" i="0" u="none" strike="noStrike" kern="1200" cap="none" spc="-40" normalizeH="0" baseline="0" noProof="0" dirty="0">
-                <a:ln>
-                  <a:noFill/>
-                </a:ln>
-                <a:solidFill>
-                  <a:prstClr val="black">
-                    <a:lumMod val="75000"/>
-                    <a:lumOff val="25000"/>
-                  </a:prstClr>
-                </a:solidFill>
-                <a:effectLst/>
-                <a:uLnTx/>
-                <a:uFillTx/>
-                <a:latin typeface="Arial" panose="020B0604020202020204" pitchFamily="34" charset="0"/>
-                <a:ea typeface="+mn-ea"/>
-                <a:cs typeface="Arial" panose="020B0604020202020204" pitchFamily="34" charset="0"/>
-              </a:rPr>
-              <a:t>as</a:t>
-            </a:r>
-            <a:r>
-              <a:rPr kumimoji="0" sz="2133" b="1" i="0" u="none" strike="noStrike" kern="1200" cap="none" spc="193" normalizeH="0" baseline="0" noProof="0" dirty="0">
-                <a:ln>
-                  <a:noFill/>
-                </a:ln>
-                <a:solidFill>
-                  <a:prstClr val="black">
-                    <a:lumMod val="75000"/>
-                    <a:lumOff val="25000"/>
-                  </a:prstClr>
-                </a:solidFill>
-                <a:effectLst/>
-                <a:uLnTx/>
-                <a:uFillTx/>
-                <a:latin typeface="Arial" panose="020B0604020202020204" pitchFamily="34" charset="0"/>
-                <a:ea typeface="+mn-ea"/>
-                <a:cs typeface="Arial" panose="020B0604020202020204" pitchFamily="34" charset="0"/>
-              </a:rPr>
-              <a:t> </a:t>
-            </a:r>
-            <a:r>
-              <a:rPr kumimoji="0" sz="2133" b="1" i="0" u="none" strike="noStrike" kern="1200" cap="none" spc="0" normalizeH="0" baseline="0" noProof="0" dirty="0">
-                <a:ln>
-                  <a:noFill/>
-                </a:ln>
-                <a:solidFill>
-                  <a:prstClr val="black">
-                    <a:lumMod val="75000"/>
-                    <a:lumOff val="25000"/>
-                  </a:prstClr>
-                </a:solidFill>
-                <a:effectLst/>
-                <a:uLnTx/>
-                <a:uFillTx/>
-                <a:latin typeface="Arial" panose="020B0604020202020204" pitchFamily="34" charset="0"/>
-                <a:ea typeface="+mn-ea"/>
-                <a:cs typeface="Arial" panose="020B0604020202020204" pitchFamily="34" charset="0"/>
-              </a:rPr>
-              <a:t>áreas</a:t>
+              <a:t>reas</a:t>
             </a:r>
             <a:r>
               <a:rPr kumimoji="0" sz="2133" b="1" i="0" u="none" strike="noStrike" kern="1200" cap="none" spc="147" normalizeH="0" baseline="0" noProof="0" dirty="0">
@@ -15430,6 +15413,9 @@
   <p:clrMapOvr>
     <a:masterClrMapping/>
   </p:clrMapOvr>
+  <p:transition spd="med">
+    <p:pull/>
+  </p:transition>
 </p:sld>
 </file>
 
@@ -15917,6 +15903,9 @@
   <p:clrMapOvr>
     <a:masterClrMapping/>
   </p:clrMapOvr>
+  <p:transition spd="med">
+    <p:pull/>
+  </p:transition>
 </p:sld>
 </file>
 
@@ -16333,6 +16322,9 @@
   <p:clrMapOvr>
     <a:masterClrMapping/>
   </p:clrMapOvr>
+  <p:transition spd="med">
+    <p:pull/>
+  </p:transition>
 </p:sld>
 </file>
 
@@ -16783,6 +16775,9 @@
   <p:clrMapOvr>
     <a:masterClrMapping/>
   </p:clrMapOvr>
+  <p:transition spd="med">
+    <p:pull/>
+  </p:transition>
 </p:sld>
 </file>
 
@@ -17295,6 +17290,9 @@
   <p:clrMapOvr>
     <a:masterClrMapping/>
   </p:clrMapOvr>
+  <p:transition spd="med">
+    <p:pull/>
+  </p:transition>
 </p:sld>
 </file>
 
@@ -17879,6 +17877,9 @@
   <p:clrMapOvr>
     <a:masterClrMapping/>
   </p:clrMapOvr>
+  <p:transition spd="med">
+    <p:pull/>
+  </p:transition>
 </p:sld>
 </file>
 
